--- a/docs/Java Training Lab - TDD.pptx
+++ b/docs/Java Training Lab - TDD.pptx
@@ -108,6 +108,11 @@
       </a:defRPr>
     </a:lvl9pPr>
   </p:defaultTextStyle>
+  <p:extLst>
+    <p:ext uri="{EFAFB233-063F-42B5-8137-9DF3F51BA10A}">
+      <p15:sldGuideLst xmlns:p15="http://schemas.microsoft.com/office/powerpoint/2012/main"/>
+    </p:ext>
+  </p:extLst>
 </p:presentation>
 </file>
 
@@ -4507,7 +4512,7 @@
         <p:fade/>
       </p:transition>
     </mc:Choice>
-    <mc:Fallback xmlns:p15="http://schemas.microsoft.com/office/powerpoint/2012/main" xmlns="">
+    <mc:Fallback xmlns="" xmlns:p15="http://schemas.microsoft.com/office/powerpoint/2012/main">
       <p:transition spd="med">
         <p:fade/>
       </p:transition>
@@ -5845,7 +5850,7 @@
                 </a:solidFill>
                 <a:latin typeface="Arial"/>
               </a:rPr>
-              <a:t>Mock</a:t>
+              <a:t>Spy</a:t>
             </a:r>
             <a:r>
               <a:rPr lang="fr-FR" spc="-1" dirty="0">
@@ -6413,7 +6418,7 @@
         <p:spPr>
           <a:xfrm>
             <a:off x="899999" y="2790000"/>
-            <a:ext cx="9333061" cy="1881360"/>
+            <a:ext cx="10368361" cy="4068000"/>
           </a:xfrm>
           <a:prstGeom prst="rect">
             <a:avLst/>
@@ -6561,6 +6566,16 @@
               </a:rPr>
               <a:t>, I cannot add a player if there are 10 players</a:t>
             </a:r>
+            <a:r>
+              <a:rPr lang="en-US" dirty="0">
+                <a:solidFill>
+                  <a:srgbClr val="FF0000"/>
+                </a:solidFill>
+                <a:latin typeface="Arial" panose="020B0604020202020204" pitchFamily="34" charset="0"/>
+                <a:ea typeface="Times New Roman" panose="02020603050405020304" pitchFamily="18" charset="0"/>
+              </a:rPr>
+              <a:t>*</a:t>
+            </a:r>
           </a:p>
           <a:p>
             <a:pPr marL="342900" lvl="0" indent="-342900" algn="just">
@@ -6702,17 +6717,57 @@
             </a:endParaRPr>
           </a:p>
           <a:p>
-            <a:pPr marL="342900" lvl="0" indent="-342900" algn="just">
-              <a:buFont typeface="Symbol" panose="05050102010706020507" pitchFamily="18" charset="2"/>
-              <a:buChar char=""/>
-            </a:pPr>
-            <a:endParaRPr lang="en-US" dirty="0">
-              <a:solidFill>
-                <a:schemeClr val="bg1"/>
-              </a:solidFill>
-              <a:latin typeface="Arial" panose="020B0604020202020204" pitchFamily="34" charset="0"/>
-              <a:ea typeface="Times New Roman" panose="02020603050405020304" pitchFamily="18" charset="0"/>
-            </a:endParaRPr>
+            <a:pPr lvl="0" algn="just"/>
+            <a:r>
+              <a:rPr lang="en-US" dirty="0">
+                <a:solidFill>
+                  <a:srgbClr val="FF0000"/>
+                </a:solidFill>
+                <a:latin typeface="Arial" panose="020B0604020202020204" pitchFamily="34" charset="0"/>
+                <a:ea typeface="Times New Roman" panose="02020603050405020304" pitchFamily="18" charset="0"/>
+              </a:rPr>
+              <a:t>*Hint : you will ask a question to the author of the stories, the answer is: “</a:t>
+            </a:r>
+            <a:r>
+              <a:rPr lang="en-US" b="1" dirty="0">
+                <a:solidFill>
+                  <a:srgbClr val="FF0000"/>
+                </a:solidFill>
+                <a:latin typeface="Arial" panose="020B0604020202020204" pitchFamily="34" charset="0"/>
+                <a:ea typeface="Times New Roman" panose="02020603050405020304" pitchFamily="18" charset="0"/>
+              </a:rPr>
+              <a:t>Violet</a:t>
+            </a:r>
+            <a:r>
+              <a:rPr lang="en-US" dirty="0">
+                <a:solidFill>
+                  <a:srgbClr val="FF0000"/>
+                </a:solidFill>
+                <a:latin typeface="Arial" panose="020B0604020202020204" pitchFamily="34" charset="0"/>
+                <a:ea typeface="Times New Roman" panose="02020603050405020304" pitchFamily="18" charset="0"/>
+              </a:rPr>
+              <a:t>” and “</a:t>
+            </a:r>
+            <a:r>
+              <a:rPr lang="en-US" b="1" dirty="0">
+                <a:solidFill>
+                  <a:srgbClr val="FF0000"/>
+                </a:solidFill>
+                <a:latin typeface="Arial" panose="020B0604020202020204" pitchFamily="34" charset="0"/>
+                <a:ea typeface="Times New Roman" panose="02020603050405020304" pitchFamily="18" charset="0"/>
+              </a:rPr>
+              <a:t>Gris</a:t>
+            </a:r>
+            <a:r>
+              <a:rPr lang="en-US" dirty="0">
+                <a:solidFill>
+                  <a:srgbClr val="FF0000"/>
+                </a:solidFill>
+                <a:latin typeface="Arial" panose="020B0604020202020204" pitchFamily="34" charset="0"/>
+                <a:ea typeface="Times New Roman" panose="02020603050405020304" pitchFamily="18" charset="0"/>
+              </a:rPr>
+              <a:t>”</a:t>
+            </a:r>
           </a:p>
           <a:p>
             <a:pPr marL="342900" lvl="0" indent="-342900" algn="just">
